--- a/public/ppt/MCN当下面临的挑战.pptx
+++ b/public/ppt/MCN当下面临的挑战.pptx
@@ -201,7 +201,7 @@
             <a:fld id="{1AFF0E5A-D2BA-4E93-82E5-136C9D4EBE03}" type="datetimeFigureOut">
               <a:rPr lang="zh-CN" altLang="en-US" smtClean="0"/>
               <a:pPr/>
-              <a:t>2019/7/9</a:t>
+              <a:t>2019/7/23</a:t>
             </a:fld>
             <a:endParaRPr lang="zh-CN" altLang="en-US"/>
           </a:p>
@@ -649,7 +649,7 @@
             <a:fld id="{0EAC6ABD-B1C4-3145-BD58-51111BD234DC}" type="datetimeFigureOut">
               <a:rPr lang="zh-CN" altLang="en-US" smtClean="0"/>
               <a:pPr/>
-              <a:t>2019/7/9</a:t>
+              <a:t>2019/7/23</a:t>
             </a:fld>
             <a:endParaRPr lang="zh-CN" altLang="en-US"/>
           </a:p>
@@ -710,7 +710,7 @@
           <a:blip r:embed="rId2">
             <a:extLst>
               <a:ext uri="{28A0092B-C50C-407E-A947-70E740481C1C}">
-                <a14:useLocalDpi xmlns:a14="http://schemas.microsoft.com/office/drawing/2010/main" xmlns="" val="0"/>
+                <a14:useLocalDpi xmlns="" xmlns:a14="http://schemas.microsoft.com/office/drawing/2010/main" val="0"/>
               </a:ext>
             </a:extLst>
           </a:blip>
@@ -740,7 +740,7 @@
           <a:blip r:embed="rId3">
             <a:extLst>
               <a:ext uri="{28A0092B-C50C-407E-A947-70E740481C1C}">
-                <a14:useLocalDpi xmlns:a14="http://schemas.microsoft.com/office/drawing/2010/main" xmlns="" val="0"/>
+                <a14:useLocalDpi xmlns="" xmlns:a14="http://schemas.microsoft.com/office/drawing/2010/main" val="0"/>
               </a:ext>
             </a:extLst>
           </a:blip>
@@ -761,7 +761,7 @@
     </p:spTree>
     <p:extLst>
       <p:ext uri="{BB962C8B-B14F-4D97-AF65-F5344CB8AC3E}">
-        <p14:creationId xmlns:p14="http://schemas.microsoft.com/office/powerpoint/2010/main" xmlns="" val="1440696078"/>
+        <p14:creationId xmlns="" xmlns:p14="http://schemas.microsoft.com/office/powerpoint/2010/main" val="1440696078"/>
       </p:ext>
     </p:extLst>
   </p:cSld>
@@ -881,7 +881,7 @@
             <a:fld id="{0EAC6ABD-B1C4-3145-BD58-51111BD234DC}" type="datetimeFigureOut">
               <a:rPr lang="zh-CN" altLang="en-US" smtClean="0"/>
               <a:pPr/>
-              <a:t>2019/7/9</a:t>
+              <a:t>2019/7/23</a:t>
             </a:fld>
             <a:endParaRPr lang="zh-CN" altLang="en-US"/>
           </a:p>
@@ -933,7 +933,7 @@
     </p:spTree>
     <p:extLst>
       <p:ext uri="{BB962C8B-B14F-4D97-AF65-F5344CB8AC3E}">
-        <p14:creationId xmlns:p14="http://schemas.microsoft.com/office/powerpoint/2010/main" xmlns="" val="1209409773"/>
+        <p14:creationId xmlns="" xmlns:p14="http://schemas.microsoft.com/office/powerpoint/2010/main" val="1209409773"/>
       </p:ext>
     </p:extLst>
   </p:cSld>
@@ -1063,7 +1063,7 @@
             <a:fld id="{0EAC6ABD-B1C4-3145-BD58-51111BD234DC}" type="datetimeFigureOut">
               <a:rPr lang="zh-CN" altLang="en-US" smtClean="0"/>
               <a:pPr/>
-              <a:t>2019/7/9</a:t>
+              <a:t>2019/7/23</a:t>
             </a:fld>
             <a:endParaRPr lang="zh-CN" altLang="en-US"/>
           </a:p>
@@ -1115,7 +1115,7 @@
     </p:spTree>
     <p:extLst>
       <p:ext uri="{BB962C8B-B14F-4D97-AF65-F5344CB8AC3E}">
-        <p14:creationId xmlns:p14="http://schemas.microsoft.com/office/powerpoint/2010/main" xmlns="" val="1473748958"/>
+        <p14:creationId xmlns="" xmlns:p14="http://schemas.microsoft.com/office/powerpoint/2010/main" val="1473748958"/>
       </p:ext>
     </p:extLst>
   </p:cSld>
@@ -1235,7 +1235,7 @@
             <a:fld id="{0EAC6ABD-B1C4-3145-BD58-51111BD234DC}" type="datetimeFigureOut">
               <a:rPr lang="zh-CN" altLang="en-US" smtClean="0"/>
               <a:pPr/>
-              <a:t>2019/7/9</a:t>
+              <a:t>2019/7/23</a:t>
             </a:fld>
             <a:endParaRPr lang="zh-CN" altLang="en-US"/>
           </a:p>
@@ -1287,7 +1287,7 @@
     </p:spTree>
     <p:extLst>
       <p:ext uri="{BB962C8B-B14F-4D97-AF65-F5344CB8AC3E}">
-        <p14:creationId xmlns:p14="http://schemas.microsoft.com/office/powerpoint/2010/main" xmlns="" val="1707283262"/>
+        <p14:creationId xmlns="" xmlns:p14="http://schemas.microsoft.com/office/powerpoint/2010/main" val="1707283262"/>
       </p:ext>
     </p:extLst>
   </p:cSld>
@@ -1483,7 +1483,7 @@
             <a:fld id="{0EAC6ABD-B1C4-3145-BD58-51111BD234DC}" type="datetimeFigureOut">
               <a:rPr lang="zh-CN" altLang="en-US" smtClean="0"/>
               <a:pPr/>
-              <a:t>2019/7/9</a:t>
+              <a:t>2019/7/23</a:t>
             </a:fld>
             <a:endParaRPr lang="zh-CN" altLang="en-US"/>
           </a:p>
@@ -1535,7 +1535,7 @@
     </p:spTree>
     <p:extLst>
       <p:ext uri="{BB962C8B-B14F-4D97-AF65-F5344CB8AC3E}">
-        <p14:creationId xmlns:p14="http://schemas.microsoft.com/office/powerpoint/2010/main" xmlns="" val="3063387730"/>
+        <p14:creationId xmlns="" xmlns:p14="http://schemas.microsoft.com/office/powerpoint/2010/main" val="3063387730"/>
       </p:ext>
     </p:extLst>
   </p:cSld>
@@ -1773,7 +1773,7 @@
             <a:fld id="{0EAC6ABD-B1C4-3145-BD58-51111BD234DC}" type="datetimeFigureOut">
               <a:rPr lang="zh-CN" altLang="en-US" smtClean="0"/>
               <a:pPr/>
-              <a:t>2019/7/9</a:t>
+              <a:t>2019/7/23</a:t>
             </a:fld>
             <a:endParaRPr lang="zh-CN" altLang="en-US"/>
           </a:p>
@@ -1825,7 +1825,7 @@
     </p:spTree>
     <p:extLst>
       <p:ext uri="{BB962C8B-B14F-4D97-AF65-F5344CB8AC3E}">
-        <p14:creationId xmlns:p14="http://schemas.microsoft.com/office/powerpoint/2010/main" xmlns="" val="2703399089"/>
+        <p14:creationId xmlns="" xmlns:p14="http://schemas.microsoft.com/office/powerpoint/2010/main" val="2703399089"/>
       </p:ext>
     </p:extLst>
   </p:cSld>
@@ -2197,7 +2197,7 @@
             <a:fld id="{0EAC6ABD-B1C4-3145-BD58-51111BD234DC}" type="datetimeFigureOut">
               <a:rPr lang="zh-CN" altLang="en-US" smtClean="0"/>
               <a:pPr/>
-              <a:t>2019/7/9</a:t>
+              <a:t>2019/7/23</a:t>
             </a:fld>
             <a:endParaRPr lang="zh-CN" altLang="en-US"/>
           </a:p>
@@ -2249,7 +2249,7 @@
     </p:spTree>
     <p:extLst>
       <p:ext uri="{BB962C8B-B14F-4D97-AF65-F5344CB8AC3E}">
-        <p14:creationId xmlns:p14="http://schemas.microsoft.com/office/powerpoint/2010/main" xmlns="" val="1002864222"/>
+        <p14:creationId xmlns="" xmlns:p14="http://schemas.microsoft.com/office/powerpoint/2010/main" val="1002864222"/>
       </p:ext>
     </p:extLst>
   </p:cSld>
@@ -2317,7 +2317,7 @@
             <a:fld id="{0EAC6ABD-B1C4-3145-BD58-51111BD234DC}" type="datetimeFigureOut">
               <a:rPr lang="zh-CN" altLang="en-US" smtClean="0"/>
               <a:pPr/>
-              <a:t>2019/7/9</a:t>
+              <a:t>2019/7/23</a:t>
             </a:fld>
             <a:endParaRPr lang="zh-CN" altLang="en-US"/>
           </a:p>
@@ -2369,7 +2369,7 @@
     </p:spTree>
     <p:extLst>
       <p:ext uri="{BB962C8B-B14F-4D97-AF65-F5344CB8AC3E}">
-        <p14:creationId xmlns:p14="http://schemas.microsoft.com/office/powerpoint/2010/main" xmlns="" val="2942259453"/>
+        <p14:creationId xmlns="" xmlns:p14="http://schemas.microsoft.com/office/powerpoint/2010/main" val="2942259453"/>
       </p:ext>
     </p:extLst>
   </p:cSld>
@@ -2414,7 +2414,7 @@
             <a:fld id="{0EAC6ABD-B1C4-3145-BD58-51111BD234DC}" type="datetimeFigureOut">
               <a:rPr lang="zh-CN" altLang="en-US" smtClean="0"/>
               <a:pPr/>
-              <a:t>2019/7/9</a:t>
+              <a:t>2019/7/23</a:t>
             </a:fld>
             <a:endParaRPr lang="zh-CN" altLang="en-US"/>
           </a:p>
@@ -2466,7 +2466,7 @@
     </p:spTree>
     <p:extLst>
       <p:ext uri="{BB962C8B-B14F-4D97-AF65-F5344CB8AC3E}">
-        <p14:creationId xmlns:p14="http://schemas.microsoft.com/office/powerpoint/2010/main" xmlns="" val="3687463252"/>
+        <p14:creationId xmlns="" xmlns:p14="http://schemas.microsoft.com/office/powerpoint/2010/main" val="3687463252"/>
       </p:ext>
     </p:extLst>
   </p:cSld>
@@ -2693,7 +2693,7 @@
             <a:fld id="{0EAC6ABD-B1C4-3145-BD58-51111BD234DC}" type="datetimeFigureOut">
               <a:rPr lang="zh-CN" altLang="en-US" smtClean="0"/>
               <a:pPr/>
-              <a:t>2019/7/9</a:t>
+              <a:t>2019/7/23</a:t>
             </a:fld>
             <a:endParaRPr lang="zh-CN" altLang="en-US"/>
           </a:p>
@@ -2745,7 +2745,7 @@
     </p:spTree>
     <p:extLst>
       <p:ext uri="{BB962C8B-B14F-4D97-AF65-F5344CB8AC3E}">
-        <p14:creationId xmlns:p14="http://schemas.microsoft.com/office/powerpoint/2010/main" xmlns="" val="457592519"/>
+        <p14:creationId xmlns="" xmlns:p14="http://schemas.microsoft.com/office/powerpoint/2010/main" val="457592519"/>
       </p:ext>
     </p:extLst>
   </p:cSld>
@@ -2948,7 +2948,7 @@
             <a:fld id="{0EAC6ABD-B1C4-3145-BD58-51111BD234DC}" type="datetimeFigureOut">
               <a:rPr lang="zh-CN" altLang="en-US" smtClean="0"/>
               <a:pPr/>
-              <a:t>2019/7/9</a:t>
+              <a:t>2019/7/23</a:t>
             </a:fld>
             <a:endParaRPr lang="zh-CN" altLang="en-US"/>
           </a:p>
@@ -3000,7 +3000,7 @@
     </p:spTree>
     <p:extLst>
       <p:ext uri="{BB962C8B-B14F-4D97-AF65-F5344CB8AC3E}">
-        <p14:creationId xmlns:p14="http://schemas.microsoft.com/office/powerpoint/2010/main" xmlns="" val="843812862"/>
+        <p14:creationId xmlns="" xmlns:p14="http://schemas.microsoft.com/office/powerpoint/2010/main" val="843812862"/>
       </p:ext>
     </p:extLst>
   </p:cSld>
@@ -3163,7 +3163,7 @@
             <a:fld id="{0EAC6ABD-B1C4-3145-BD58-51111BD234DC}" type="datetimeFigureOut">
               <a:rPr lang="zh-CN" altLang="en-US" smtClean="0"/>
               <a:pPr/>
-              <a:t>2019/7/9</a:t>
+              <a:t>2019/7/23</a:t>
             </a:fld>
             <a:endParaRPr lang="zh-CN" altLang="en-US"/>
           </a:p>
@@ -3251,7 +3251,7 @@
     </p:spTree>
     <p:extLst>
       <p:ext uri="{BB962C8B-B14F-4D97-AF65-F5344CB8AC3E}">
-        <p14:creationId xmlns:p14="http://schemas.microsoft.com/office/powerpoint/2010/main" xmlns="" val="1561053591"/>
+        <p14:creationId xmlns="" xmlns:p14="http://schemas.microsoft.com/office/powerpoint/2010/main" val="1561053591"/>
       </p:ext>
     </p:extLst>
   </p:cSld>
@@ -3595,7 +3595,7 @@
           <a:blip r:embed="rId2">
             <a:extLst>
               <a:ext uri="{28A0092B-C50C-407E-A947-70E740481C1C}">
-                <a14:useLocalDpi xmlns:a14="http://schemas.microsoft.com/office/drawing/2010/main" xmlns="" val="0"/>
+                <a14:useLocalDpi xmlns="" xmlns:a14="http://schemas.microsoft.com/office/drawing/2010/main" val="0"/>
               </a:ext>
             </a:extLst>
           </a:blip>
@@ -3755,7 +3755,7 @@
           <a:blip r:embed="rId3">
             <a:extLst>
               <a:ext uri="{28A0092B-C50C-407E-A947-70E740481C1C}">
-                <a14:useLocalDpi xmlns:a14="http://schemas.microsoft.com/office/drawing/2010/main" xmlns="" val="0"/>
+                <a14:useLocalDpi xmlns="" xmlns:a14="http://schemas.microsoft.com/office/drawing/2010/main" val="0"/>
               </a:ext>
             </a:extLst>
           </a:blip>
@@ -3903,7 +3903,35 @@
                 <a:ea typeface="微软雅黑"/>
                 <a:cs typeface="+mj-cs"/>
               </a:rPr>
-              <a:t>总结者：张永</a:t>
+              <a:t>总结者</a:t>
+            </a:r>
+            <a:r>
+              <a:rPr kumimoji="0" lang="zh-CN" altLang="en-US" sz="1600" u="none" strike="noStrike" kern="1200" cap="none" spc="0" normalizeH="0" baseline="0" noProof="0" dirty="0" smtClean="0">
+                <a:ln>
+                  <a:noFill/>
+                </a:ln>
+                <a:solidFill>
+                  <a:srgbClr val="006D3B"/>
+                </a:solidFill>
+                <a:effectLst/>
+                <a:uLnTx/>
+                <a:uFillTx/>
+                <a:latin typeface="微软雅黑"/>
+                <a:ea typeface="微软雅黑"/>
+                <a:cs typeface="+mj-cs"/>
+              </a:rPr>
+              <a:t>：</a:t>
+            </a:r>
+            <a:r>
+              <a:rPr lang="en-US" altLang="zh-CN" sz="1600" smtClean="0">
+                <a:solidFill>
+                  <a:srgbClr val="006D3B"/>
+                </a:solidFill>
+                <a:latin typeface="微软雅黑"/>
+                <a:ea typeface="微软雅黑"/>
+                <a:cs typeface="+mj-cs"/>
+              </a:rPr>
+              <a:t>zy</a:t>
             </a:r>
             <a:endParaRPr lang="en-US" altLang="zh-CN" sz="1600" dirty="0" smtClean="0">
               <a:solidFill>
@@ -6113,7 +6141,7 @@
           <a:blip r:embed="rId2">
             <a:extLst>
               <a:ext uri="{28A0092B-C50C-407E-A947-70E740481C1C}">
-                <a14:useLocalDpi xmlns:a14="http://schemas.microsoft.com/office/drawing/2010/main" xmlns="" val="0"/>
+                <a14:useLocalDpi xmlns="" xmlns:a14="http://schemas.microsoft.com/office/drawing/2010/main" val="0"/>
               </a:ext>
             </a:extLst>
           </a:blip>
@@ -6256,7 +6284,7 @@
     </p:spTree>
     <p:extLst>
       <p:ext uri="{BB962C8B-B14F-4D97-AF65-F5344CB8AC3E}">
-        <p14:creationId xmlns:p14="http://schemas.microsoft.com/office/powerpoint/2010/main" xmlns="" val="2977654013"/>
+        <p14:creationId xmlns="" xmlns:p14="http://schemas.microsoft.com/office/powerpoint/2010/main" val="2977654013"/>
       </p:ext>
     </p:extLst>
   </p:cSld>
